--- a/소켓통신_심현정.pptx
+++ b/소켓통신_심현정.pptx
@@ -117,6 +117,11 @@
       </a:defRPr>
     </a:lvl9pPr>
   </p:defaultTextStyle>
+  <p:extLst>
+    <p:ext uri="{EFAFB233-063F-42B5-8137-9DF3F51BA10A}">
+      <p15:sldGuideLst xmlns:p15="http://schemas.microsoft.com/office/powerpoint/2012/main"/>
+    </p:ext>
+  </p:extLst>
 </p:presentation>
 </file>
 
@@ -214,7 +219,7 @@
           <a:p>
             <a:fld id="{B6BDC582-AE22-4678-B95D-CBC0505709C7}" type="datetimeFigureOut">
               <a:rPr lang="ko-KR" altLang="en-US" smtClean="0"/>
-              <a:t>2022-01-07</a:t>
+              <a:t>2022-01-10</a:t>
             </a:fld>
             <a:endParaRPr lang="ko-KR" altLang="en-US"/>
           </a:p>
@@ -613,7 +618,7 @@
           <a:p>
             <a:fld id="{15B69D24-30FF-4C23-AD28-5521374235F6}" type="datetimeFigureOut">
               <a:rPr lang="ko-KR" altLang="en-US" smtClean="0"/>
-              <a:t>2022-01-07</a:t>
+              <a:t>2022-01-10</a:t>
             </a:fld>
             <a:endParaRPr lang="ko-KR" altLang="en-US"/>
           </a:p>
@@ -783,7 +788,7 @@
           <a:p>
             <a:fld id="{15B69D24-30FF-4C23-AD28-5521374235F6}" type="datetimeFigureOut">
               <a:rPr lang="ko-KR" altLang="en-US" smtClean="0"/>
-              <a:t>2022-01-07</a:t>
+              <a:t>2022-01-10</a:t>
             </a:fld>
             <a:endParaRPr lang="ko-KR" altLang="en-US"/>
           </a:p>
@@ -963,7 +968,7 @@
           <a:p>
             <a:fld id="{15B69D24-30FF-4C23-AD28-5521374235F6}" type="datetimeFigureOut">
               <a:rPr lang="ko-KR" altLang="en-US" smtClean="0"/>
-              <a:t>2022-01-07</a:t>
+              <a:t>2022-01-10</a:t>
             </a:fld>
             <a:endParaRPr lang="ko-KR" altLang="en-US"/>
           </a:p>
@@ -1133,7 +1138,7 @@
           <a:p>
             <a:fld id="{15B69D24-30FF-4C23-AD28-5521374235F6}" type="datetimeFigureOut">
               <a:rPr lang="ko-KR" altLang="en-US" smtClean="0"/>
-              <a:t>2022-01-07</a:t>
+              <a:t>2022-01-10</a:t>
             </a:fld>
             <a:endParaRPr lang="ko-KR" altLang="en-US"/>
           </a:p>
@@ -1379,7 +1384,7 @@
           <a:p>
             <a:fld id="{15B69D24-30FF-4C23-AD28-5521374235F6}" type="datetimeFigureOut">
               <a:rPr lang="ko-KR" altLang="en-US" smtClean="0"/>
-              <a:t>2022-01-07</a:t>
+              <a:t>2022-01-10</a:t>
             </a:fld>
             <a:endParaRPr lang="ko-KR" altLang="en-US"/>
           </a:p>
@@ -1611,7 +1616,7 @@
           <a:p>
             <a:fld id="{15B69D24-30FF-4C23-AD28-5521374235F6}" type="datetimeFigureOut">
               <a:rPr lang="ko-KR" altLang="en-US" smtClean="0"/>
-              <a:t>2022-01-07</a:t>
+              <a:t>2022-01-10</a:t>
             </a:fld>
             <a:endParaRPr lang="ko-KR" altLang="en-US"/>
           </a:p>
@@ -1978,7 +1983,7 @@
           <a:p>
             <a:fld id="{15B69D24-30FF-4C23-AD28-5521374235F6}" type="datetimeFigureOut">
               <a:rPr lang="ko-KR" altLang="en-US" smtClean="0"/>
-              <a:t>2022-01-07</a:t>
+              <a:t>2022-01-10</a:t>
             </a:fld>
             <a:endParaRPr lang="ko-KR" altLang="en-US"/>
           </a:p>
@@ -2096,7 +2101,7 @@
           <a:p>
             <a:fld id="{15B69D24-30FF-4C23-AD28-5521374235F6}" type="datetimeFigureOut">
               <a:rPr lang="ko-KR" altLang="en-US" smtClean="0"/>
-              <a:t>2022-01-07</a:t>
+              <a:t>2022-01-10</a:t>
             </a:fld>
             <a:endParaRPr lang="ko-KR" altLang="en-US"/>
           </a:p>
@@ -2191,7 +2196,7 @@
           <a:p>
             <a:fld id="{15B69D24-30FF-4C23-AD28-5521374235F6}" type="datetimeFigureOut">
               <a:rPr lang="ko-KR" altLang="en-US" smtClean="0"/>
-              <a:t>2022-01-07</a:t>
+              <a:t>2022-01-10</a:t>
             </a:fld>
             <a:endParaRPr lang="ko-KR" altLang="en-US"/>
           </a:p>
@@ -2468,7 +2473,7 @@
           <a:p>
             <a:fld id="{15B69D24-30FF-4C23-AD28-5521374235F6}" type="datetimeFigureOut">
               <a:rPr lang="ko-KR" altLang="en-US" smtClean="0"/>
-              <a:t>2022-01-07</a:t>
+              <a:t>2022-01-10</a:t>
             </a:fld>
             <a:endParaRPr lang="ko-KR" altLang="en-US"/>
           </a:p>
@@ -2721,7 +2726,7 @@
           <a:p>
             <a:fld id="{15B69D24-30FF-4C23-AD28-5521374235F6}" type="datetimeFigureOut">
               <a:rPr lang="ko-KR" altLang="en-US" smtClean="0"/>
-              <a:t>2022-01-07</a:t>
+              <a:t>2022-01-10</a:t>
             </a:fld>
             <a:endParaRPr lang="ko-KR" altLang="en-US"/>
           </a:p>
@@ -2934,7 +2939,7 @@
           <a:p>
             <a:fld id="{15B69D24-30FF-4C23-AD28-5521374235F6}" type="datetimeFigureOut">
               <a:rPr lang="ko-KR" altLang="en-US" smtClean="0"/>
-              <a:t>2022-01-07</a:t>
+              <a:t>2022-01-10</a:t>
             </a:fld>
             <a:endParaRPr lang="ko-KR" altLang="en-US"/>
           </a:p>
@@ -3724,6 +3729,12 @@
           <a:bodyPr/>
           <a:lstStyle/>
           <a:p>
+            <a:r>
+              <a:rPr lang="en-US" altLang="ko-KR" dirty="0" smtClean="0"/>
+              <a:t>Day27  step01</a:t>
+            </a:r>
+          </a:p>
+          <a:p>
             <a:endParaRPr lang="ko-KR" altLang="en-US" dirty="0"/>
           </a:p>
         </p:txBody>
@@ -4176,7 +4187,11 @@
           <a:p>
             <a:r>
               <a:rPr lang="en-US" altLang="ko-KR" dirty="0" smtClean="0"/>
-              <a:t> 23 7</a:t>
+              <a:t> 23 </a:t>
+            </a:r>
+            <a:r>
+              <a:rPr lang="en-US" altLang="ko-KR" dirty="0" smtClean="0"/>
+              <a:t>7_t</a:t>
             </a:r>
             <a:endParaRPr lang="ko-KR" altLang="en-US" dirty="0"/>
           </a:p>
@@ -4202,6 +4217,21 @@
           <a:bodyPr/>
           <a:lstStyle/>
           <a:p>
+            <a:r>
+              <a:rPr lang="en-US" altLang="ko-KR" dirty="0"/>
+              <a:t>23 </a:t>
+            </a:r>
+            <a:r>
+              <a:rPr lang="en-US" altLang="ko-KR" dirty="0" smtClean="0"/>
+              <a:t>7_t</a:t>
+            </a:r>
+            <a:br>
+              <a:rPr lang="en-US" altLang="ko-KR" dirty="0" smtClean="0"/>
+            </a:br>
+            <a:r>
+              <a:rPr lang="en-US" altLang="ko-KR" dirty="0" smtClean="0"/>
+              <a:t>24 7</a:t>
+            </a:r>
             <a:endParaRPr lang="ko-KR" altLang="en-US" dirty="0"/>
           </a:p>
         </p:txBody>
@@ -4958,6 +4988,10 @@
           <a:bodyPr/>
           <a:lstStyle/>
           <a:p>
+            <a:r>
+              <a:rPr lang="en-US" altLang="ko-KR" dirty="0" smtClean="0"/>
+              <a:t>25 15</a:t>
+            </a:r>
             <a:endParaRPr lang="ko-KR" altLang="en-US" dirty="0"/>
           </a:p>
         </p:txBody>

--- a/소켓통신_심현정.pptx
+++ b/소켓통신_심현정.pptx
@@ -221,7 +221,7 @@
           <a:p>
             <a:fld id="{B6BDC582-AE22-4678-B95D-CBC0505709C7}" type="datetimeFigureOut">
               <a:rPr lang="ko-KR" altLang="en-US" smtClean="0"/>
-              <a:t>2022-01-11</a:t>
+              <a:t>2022-01-12</a:t>
             </a:fld>
             <a:endParaRPr lang="ko-KR" altLang="en-US"/>
           </a:p>
@@ -620,7 +620,7 @@
           <a:p>
             <a:fld id="{15B69D24-30FF-4C23-AD28-5521374235F6}" type="datetimeFigureOut">
               <a:rPr lang="ko-KR" altLang="en-US" smtClean="0"/>
-              <a:t>2022-01-11</a:t>
+              <a:t>2022-01-12</a:t>
             </a:fld>
             <a:endParaRPr lang="ko-KR" altLang="en-US"/>
           </a:p>
@@ -790,7 +790,7 @@
           <a:p>
             <a:fld id="{15B69D24-30FF-4C23-AD28-5521374235F6}" type="datetimeFigureOut">
               <a:rPr lang="ko-KR" altLang="en-US" smtClean="0"/>
-              <a:t>2022-01-11</a:t>
+              <a:t>2022-01-12</a:t>
             </a:fld>
             <a:endParaRPr lang="ko-KR" altLang="en-US"/>
           </a:p>
@@ -970,7 +970,7 @@
           <a:p>
             <a:fld id="{15B69D24-30FF-4C23-AD28-5521374235F6}" type="datetimeFigureOut">
               <a:rPr lang="ko-KR" altLang="en-US" smtClean="0"/>
-              <a:t>2022-01-11</a:t>
+              <a:t>2022-01-12</a:t>
             </a:fld>
             <a:endParaRPr lang="ko-KR" altLang="en-US"/>
           </a:p>
@@ -1140,7 +1140,7 @@
           <a:p>
             <a:fld id="{15B69D24-30FF-4C23-AD28-5521374235F6}" type="datetimeFigureOut">
               <a:rPr lang="ko-KR" altLang="en-US" smtClean="0"/>
-              <a:t>2022-01-11</a:t>
+              <a:t>2022-01-12</a:t>
             </a:fld>
             <a:endParaRPr lang="ko-KR" altLang="en-US"/>
           </a:p>
@@ -1386,7 +1386,7 @@
           <a:p>
             <a:fld id="{15B69D24-30FF-4C23-AD28-5521374235F6}" type="datetimeFigureOut">
               <a:rPr lang="ko-KR" altLang="en-US" smtClean="0"/>
-              <a:t>2022-01-11</a:t>
+              <a:t>2022-01-12</a:t>
             </a:fld>
             <a:endParaRPr lang="ko-KR" altLang="en-US"/>
           </a:p>
@@ -1618,7 +1618,7 @@
           <a:p>
             <a:fld id="{15B69D24-30FF-4C23-AD28-5521374235F6}" type="datetimeFigureOut">
               <a:rPr lang="ko-KR" altLang="en-US" smtClean="0"/>
-              <a:t>2022-01-11</a:t>
+              <a:t>2022-01-12</a:t>
             </a:fld>
             <a:endParaRPr lang="ko-KR" altLang="en-US"/>
           </a:p>
@@ -1985,7 +1985,7 @@
           <a:p>
             <a:fld id="{15B69D24-30FF-4C23-AD28-5521374235F6}" type="datetimeFigureOut">
               <a:rPr lang="ko-KR" altLang="en-US" smtClean="0"/>
-              <a:t>2022-01-11</a:t>
+              <a:t>2022-01-12</a:t>
             </a:fld>
             <a:endParaRPr lang="ko-KR" altLang="en-US"/>
           </a:p>
@@ -2103,7 +2103,7 @@
           <a:p>
             <a:fld id="{15B69D24-30FF-4C23-AD28-5521374235F6}" type="datetimeFigureOut">
               <a:rPr lang="ko-KR" altLang="en-US" smtClean="0"/>
-              <a:t>2022-01-11</a:t>
+              <a:t>2022-01-12</a:t>
             </a:fld>
             <a:endParaRPr lang="ko-KR" altLang="en-US"/>
           </a:p>
@@ -2198,7 +2198,7 @@
           <a:p>
             <a:fld id="{15B69D24-30FF-4C23-AD28-5521374235F6}" type="datetimeFigureOut">
               <a:rPr lang="ko-KR" altLang="en-US" smtClean="0"/>
-              <a:t>2022-01-11</a:t>
+              <a:t>2022-01-12</a:t>
             </a:fld>
             <a:endParaRPr lang="ko-KR" altLang="en-US"/>
           </a:p>
@@ -2475,7 +2475,7 @@
           <a:p>
             <a:fld id="{15B69D24-30FF-4C23-AD28-5521374235F6}" type="datetimeFigureOut">
               <a:rPr lang="ko-KR" altLang="en-US" smtClean="0"/>
-              <a:t>2022-01-11</a:t>
+              <a:t>2022-01-12</a:t>
             </a:fld>
             <a:endParaRPr lang="ko-KR" altLang="en-US"/>
           </a:p>
@@ -2728,7 +2728,7 @@
           <a:p>
             <a:fld id="{15B69D24-30FF-4C23-AD28-5521374235F6}" type="datetimeFigureOut">
               <a:rPr lang="ko-KR" altLang="en-US" smtClean="0"/>
-              <a:t>2022-01-11</a:t>
+              <a:t>2022-01-12</a:t>
             </a:fld>
             <a:endParaRPr lang="ko-KR" altLang="en-US"/>
           </a:p>
@@ -2941,7 +2941,7 @@
           <a:p>
             <a:fld id="{15B69D24-30FF-4C23-AD28-5521374235F6}" type="datetimeFigureOut">
               <a:rPr lang="ko-KR" altLang="en-US" smtClean="0"/>
-              <a:t>2022-01-11</a:t>
+              <a:t>2022-01-12</a:t>
             </a:fld>
             <a:endParaRPr lang="ko-KR" altLang="en-US"/>
           </a:p>
@@ -4370,15 +4370,7 @@
           <a:p>
             <a:r>
               <a:rPr lang="en-US" altLang="ko-KR" sz="1500" dirty="0" smtClean="0"/>
-              <a:t>8</a:t>
-            </a:r>
-            <a:r>
-              <a:rPr lang="en-US" altLang="ko-KR" sz="1500" dirty="0" smtClean="0"/>
-              <a:t>p-1, </a:t>
-            </a:r>
-            <a:r>
-              <a:rPr lang="en-US" altLang="ko-KR" sz="1500" dirty="0" smtClean="0"/>
-              <a:t>8p-2. </a:t>
+              <a:t>8p-1, 8p-2. </a:t>
             </a:r>
             <a:r>
               <a:rPr lang="ko-KR" altLang="en-US" sz="1500" dirty="0" smtClean="0"/>
@@ -5679,11 +5671,7 @@
             </a:r>
             <a:r>
               <a:rPr lang="en-US" altLang="ko-KR" sz="1500" dirty="0" smtClean="0"/>
-              <a:t>p-1</a:t>
-            </a:r>
-            <a:r>
-              <a:rPr lang="en-US" altLang="ko-KR" sz="1500" dirty="0" smtClean="0"/>
-              <a:t>. </a:t>
+              <a:t>p-1. </a:t>
             </a:r>
             <a:r>
               <a:rPr lang="ko-KR" altLang="en-US" sz="1500" dirty="0" smtClean="0"/>
@@ -7280,11 +7268,7 @@
             </a:r>
             <a:r>
               <a:rPr lang="en-US" altLang="ko-KR" sz="1500" dirty="0" smtClean="0"/>
-              <a:t>p-1</a:t>
-            </a:r>
-            <a:r>
-              <a:rPr lang="en-US" altLang="ko-KR" sz="1500" dirty="0" smtClean="0"/>
-              <a:t>. </a:t>
+              <a:t>p-1. </a:t>
             </a:r>
             <a:r>
               <a:rPr lang="ko-KR" altLang="en-US" sz="1500" dirty="0" err="1" smtClean="0"/>
@@ -8285,11 +8269,7 @@
             </a:r>
             <a:r>
               <a:rPr lang="en-US" altLang="ko-KR" sz="1500" dirty="0" smtClean="0"/>
-              <a:t>p-1</a:t>
-            </a:r>
-            <a:r>
-              <a:rPr lang="en-US" altLang="ko-KR" sz="1500" dirty="0" smtClean="0"/>
-              <a:t>. </a:t>
+              <a:t>p-1. </a:t>
             </a:r>
             <a:r>
               <a:rPr lang="ko-KR" altLang="en-US" sz="1500" dirty="0" err="1" smtClean="0"/>
@@ -9142,7 +9122,6 @@
               <a:rPr lang="en-US" altLang="ko-KR" sz="1500" dirty="0" smtClean="0"/>
               <a:t>.</a:t>
             </a:r>
-            <a:endParaRPr lang="en-US" altLang="ko-KR" sz="1500" dirty="0" smtClean="0"/>
           </a:p>
           <a:p>
             <a:endParaRPr lang="en-US" altLang="ko-KR" dirty="0"/>
@@ -9235,11 +9214,7 @@
             <a:pPr algn="ctr"/>
             <a:r>
               <a:rPr lang="en-US" altLang="ko-KR" sz="2400" dirty="0" smtClean="0"/>
-              <a:t>IDEA </a:t>
-            </a:r>
-            <a:r>
-              <a:rPr lang="en-US" altLang="ko-KR" sz="2400" dirty="0" smtClean="0"/>
-              <a:t>SHARE BOX</a:t>
+              <a:t>IDEA SHARE BOX</a:t>
             </a:r>
             <a:endParaRPr lang="ko-KR" altLang="en-US" sz="2400" dirty="0"/>
           </a:p>
@@ -9629,6 +9604,75 @@
           </a:p>
         </p:txBody>
       </p:sp>
+      <p:sp>
+        <p:nvSpPr>
+          <p:cNvPr id="3" name="웃는 얼굴 2"/>
+          <p:cNvSpPr/>
+          <p:nvPr/>
+        </p:nvSpPr>
+        <p:spPr>
+          <a:xfrm>
+            <a:off x="176980" y="141317"/>
+            <a:ext cx="1088967" cy="1088967"/>
+          </a:xfrm>
+          <a:prstGeom prst="smileyFace">
+            <a:avLst/>
+          </a:prstGeom>
+          <a:gradFill flip="none" rotWithShape="1">
+            <a:gsLst>
+              <a:gs pos="0">
+                <a:srgbClr val="EA0AEF">
+                  <a:tint val="66000"/>
+                  <a:satMod val="160000"/>
+                </a:srgbClr>
+              </a:gs>
+              <a:gs pos="50000">
+                <a:srgbClr val="EA0AEF">
+                  <a:tint val="44500"/>
+                  <a:satMod val="160000"/>
+                </a:srgbClr>
+              </a:gs>
+              <a:gs pos="100000">
+                <a:srgbClr val="EA0AEF">
+                  <a:tint val="23500"/>
+                  <a:satMod val="160000"/>
+                </a:srgbClr>
+              </a:gs>
+            </a:gsLst>
+            <a:lin ang="13500000" scaled="1"/>
+            <a:tileRect/>
+          </a:gradFill>
+          <a:ln>
+            <a:solidFill>
+              <a:srgbClr val="EA0AEF"/>
+            </a:solidFill>
+          </a:ln>
+        </p:spPr>
+        <p:style>
+          <a:lnRef idx="2">
+            <a:schemeClr val="accent6">
+              <a:shade val="50000"/>
+            </a:schemeClr>
+          </a:lnRef>
+          <a:fillRef idx="1">
+            <a:schemeClr val="accent6"/>
+          </a:fillRef>
+          <a:effectRef idx="0">
+            <a:schemeClr val="accent6"/>
+          </a:effectRef>
+          <a:fontRef idx="minor">
+            <a:schemeClr val="lt1"/>
+          </a:fontRef>
+        </p:style>
+        <p:txBody>
+          <a:bodyPr rtlCol="0" anchor="ctr"/>
+          <a:lstStyle/>
+          <a:p>
+            <a:pPr algn="ctr"/>
+            <a:endParaRPr lang="ko-KR" altLang="en-US"/>
+          </a:p>
+        </p:txBody>
+      </p:sp>
     </p:spTree>
     <p:extLst>
       <p:ext uri="{BB962C8B-B14F-4D97-AF65-F5344CB8AC3E}">
@@ -9769,7 +9813,6 @@
               <a:rPr lang="en-US" altLang="ko-KR" sz="1500" dirty="0" smtClean="0"/>
               <a:t>.</a:t>
             </a:r>
-            <a:endParaRPr lang="en-US" altLang="ko-KR" sz="1500" dirty="0" smtClean="0"/>
           </a:p>
           <a:p>
             <a:r>
@@ -10462,11 +10505,7 @@
           <a:p>
             <a:r>
               <a:rPr lang="ko-KR" altLang="en-US" sz="1200" dirty="0" smtClean="0"/>
-              <a:t>  </a:t>
-            </a:r>
-            <a:r>
-              <a:rPr lang="ko-KR" altLang="en-US" sz="1200" dirty="0" smtClean="0"/>
-              <a:t>파일     도움말</a:t>
+              <a:t>  파일     도움말</a:t>
             </a:r>
             <a:endParaRPr lang="ko-KR" altLang="en-US" sz="1200" dirty="0"/>
           </a:p>
@@ -10638,6 +10677,75 @@
               <a:t>2</a:t>
             </a:r>
             <a:endParaRPr lang="ko-KR" altLang="en-US" sz="1200" dirty="0"/>
+          </a:p>
+        </p:txBody>
+      </p:sp>
+      <p:sp>
+        <p:nvSpPr>
+          <p:cNvPr id="25" name="웃는 얼굴 24"/>
+          <p:cNvSpPr/>
+          <p:nvPr/>
+        </p:nvSpPr>
+        <p:spPr>
+          <a:xfrm>
+            <a:off x="176980" y="141317"/>
+            <a:ext cx="1088967" cy="1088967"/>
+          </a:xfrm>
+          <a:prstGeom prst="smileyFace">
+            <a:avLst/>
+          </a:prstGeom>
+          <a:gradFill flip="none" rotWithShape="1">
+            <a:gsLst>
+              <a:gs pos="0">
+                <a:srgbClr val="EA0AEF">
+                  <a:tint val="66000"/>
+                  <a:satMod val="160000"/>
+                </a:srgbClr>
+              </a:gs>
+              <a:gs pos="50000">
+                <a:srgbClr val="EA0AEF">
+                  <a:tint val="44500"/>
+                  <a:satMod val="160000"/>
+                </a:srgbClr>
+              </a:gs>
+              <a:gs pos="100000">
+                <a:srgbClr val="EA0AEF">
+                  <a:tint val="23500"/>
+                  <a:satMod val="160000"/>
+                </a:srgbClr>
+              </a:gs>
+            </a:gsLst>
+            <a:lin ang="13500000" scaled="1"/>
+            <a:tileRect/>
+          </a:gradFill>
+          <a:ln>
+            <a:solidFill>
+              <a:srgbClr val="EA0AEF"/>
+            </a:solidFill>
+          </a:ln>
+        </p:spPr>
+        <p:style>
+          <a:lnRef idx="2">
+            <a:schemeClr val="accent6">
+              <a:shade val="50000"/>
+            </a:schemeClr>
+          </a:lnRef>
+          <a:fillRef idx="1">
+            <a:schemeClr val="accent6"/>
+          </a:fillRef>
+          <a:effectRef idx="0">
+            <a:schemeClr val="accent6"/>
+          </a:effectRef>
+          <a:fontRef idx="minor">
+            <a:schemeClr val="lt1"/>
+          </a:fontRef>
+        </p:style>
+        <p:txBody>
+          <a:bodyPr rtlCol="0" anchor="ctr"/>
+          <a:lstStyle/>
+          <a:p>
+            <a:pPr algn="ctr"/>
+            <a:endParaRPr lang="ko-KR" altLang="en-US"/>
           </a:p>
         </p:txBody>
       </p:sp>
@@ -10781,7 +10889,6 @@
               <a:rPr lang="en-US" altLang="ko-KR" sz="1500" dirty="0" smtClean="0"/>
               <a:t>.</a:t>
             </a:r>
-            <a:endParaRPr lang="en-US" altLang="ko-KR" sz="1500" dirty="0" smtClean="0"/>
           </a:p>
           <a:p>
             <a:r>
@@ -11713,11 +11820,7 @@
           <a:p>
             <a:r>
               <a:rPr lang="ko-KR" altLang="en-US" sz="1200" dirty="0" smtClean="0"/>
-              <a:t>  </a:t>
-            </a:r>
-            <a:r>
-              <a:rPr lang="ko-KR" altLang="en-US" sz="1200" dirty="0" smtClean="0"/>
-              <a:t>파일     도움말</a:t>
+              <a:t>  파일     도움말</a:t>
             </a:r>
             <a:endParaRPr lang="ko-KR" altLang="en-US" sz="1200" dirty="0"/>
           </a:p>
@@ -12435,6 +12538,75 @@
               <a:t>9</a:t>
             </a:r>
             <a:endParaRPr lang="ko-KR" altLang="en-US" sz="1200" dirty="0"/>
+          </a:p>
+        </p:txBody>
+      </p:sp>
+      <p:sp>
+        <p:nvSpPr>
+          <p:cNvPr id="37" name="웃는 얼굴 36"/>
+          <p:cNvSpPr/>
+          <p:nvPr/>
+        </p:nvSpPr>
+        <p:spPr>
+          <a:xfrm>
+            <a:off x="176980" y="141317"/>
+            <a:ext cx="1088967" cy="1088967"/>
+          </a:xfrm>
+          <a:prstGeom prst="smileyFace">
+            <a:avLst/>
+          </a:prstGeom>
+          <a:gradFill flip="none" rotWithShape="1">
+            <a:gsLst>
+              <a:gs pos="0">
+                <a:srgbClr val="EA0AEF">
+                  <a:tint val="66000"/>
+                  <a:satMod val="160000"/>
+                </a:srgbClr>
+              </a:gs>
+              <a:gs pos="50000">
+                <a:srgbClr val="EA0AEF">
+                  <a:tint val="44500"/>
+                  <a:satMod val="160000"/>
+                </a:srgbClr>
+              </a:gs>
+              <a:gs pos="100000">
+                <a:srgbClr val="EA0AEF">
+                  <a:tint val="23500"/>
+                  <a:satMod val="160000"/>
+                </a:srgbClr>
+              </a:gs>
+            </a:gsLst>
+            <a:lin ang="13500000" scaled="1"/>
+            <a:tileRect/>
+          </a:gradFill>
+          <a:ln>
+            <a:solidFill>
+              <a:srgbClr val="EA0AEF"/>
+            </a:solidFill>
+          </a:ln>
+        </p:spPr>
+        <p:style>
+          <a:lnRef idx="2">
+            <a:schemeClr val="accent6">
+              <a:shade val="50000"/>
+            </a:schemeClr>
+          </a:lnRef>
+          <a:fillRef idx="1">
+            <a:schemeClr val="accent6"/>
+          </a:fillRef>
+          <a:effectRef idx="0">
+            <a:schemeClr val="accent6"/>
+          </a:effectRef>
+          <a:fontRef idx="minor">
+            <a:schemeClr val="lt1"/>
+          </a:fontRef>
+        </p:style>
+        <p:txBody>
+          <a:bodyPr rtlCol="0" anchor="ctr"/>
+          <a:lstStyle/>
+          <a:p>
+            <a:pPr algn="ctr"/>
+            <a:endParaRPr lang="ko-KR" altLang="en-US"/>
           </a:p>
         </p:txBody>
       </p:sp>
@@ -13105,15 +13277,7 @@
           <a:p>
             <a:r>
               <a:rPr lang="en-US" altLang="ko-KR" sz="1500" dirty="0" smtClean="0"/>
-              <a:t>4</a:t>
-            </a:r>
-            <a:r>
-              <a:rPr lang="en-US" altLang="ko-KR" sz="1500" dirty="0" smtClean="0"/>
-              <a:t>p-1</a:t>
-            </a:r>
-            <a:r>
-              <a:rPr lang="en-US" altLang="ko-KR" sz="1500" dirty="0" smtClean="0"/>
-              <a:t>. 2p</a:t>
+              <a:t>4p-1. 2p</a:t>
             </a:r>
             <a:r>
               <a:rPr lang="ko-KR" altLang="en-US" sz="1500" dirty="0" smtClean="0"/>
@@ -13131,7 +13295,6 @@
               <a:rPr lang="en-US" altLang="ko-KR" sz="1500" dirty="0" smtClean="0"/>
               <a:t>.</a:t>
             </a:r>
-            <a:endParaRPr lang="en-US" altLang="ko-KR" sz="1500" dirty="0" smtClean="0"/>
           </a:p>
         </p:txBody>
       </p:sp>
@@ -13989,11 +14152,7 @@
           <a:p>
             <a:r>
               <a:rPr lang="en-US" altLang="ko-KR" sz="1500" dirty="0" smtClean="0"/>
-              <a:t>5p-1</a:t>
-            </a:r>
-            <a:r>
-              <a:rPr lang="en-US" altLang="ko-KR" sz="1500" dirty="0" smtClean="0"/>
-              <a:t>. </a:t>
+              <a:t>5p-1. </a:t>
             </a:r>
             <a:r>
               <a:rPr lang="ko-KR" altLang="en-US" sz="1500" dirty="0" smtClean="0"/>
@@ -14057,7 +14216,6 @@
               <a:rPr lang="en-US" altLang="ko-KR" sz="1500" dirty="0" smtClean="0"/>
               <a:t>.</a:t>
             </a:r>
-            <a:endParaRPr lang="en-US" altLang="ko-KR" sz="1500" dirty="0" smtClean="0"/>
           </a:p>
         </p:txBody>
       </p:sp>
@@ -15072,11 +15230,7 @@
           <a:p>
             <a:r>
               <a:rPr lang="en-US" altLang="ko-KR" sz="1500" dirty="0" smtClean="0"/>
-              <a:t>6p-1</a:t>
-            </a:r>
-            <a:r>
-              <a:rPr lang="en-US" altLang="ko-KR" sz="1500" dirty="0" smtClean="0"/>
-              <a:t>. </a:t>
+              <a:t>6p-1. </a:t>
             </a:r>
             <a:r>
               <a:rPr lang="ko-KR" altLang="en-US" sz="1500" dirty="0" smtClean="0"/>
@@ -15110,7 +15264,6 @@
               <a:rPr lang="en-US" altLang="ko-KR" sz="1500" dirty="0" smtClean="0"/>
               <a:t>).</a:t>
             </a:r>
-            <a:endParaRPr lang="en-US" altLang="ko-KR" sz="1500" dirty="0" smtClean="0"/>
           </a:p>
         </p:txBody>
       </p:sp>
@@ -16448,15 +16601,7 @@
           <a:p>
             <a:r>
               <a:rPr lang="en-US" altLang="ko-KR" sz="1500" dirty="0" smtClean="0"/>
-              <a:t>7</a:t>
-            </a:r>
-            <a:r>
-              <a:rPr lang="en-US" altLang="ko-KR" sz="1500" dirty="0" smtClean="0"/>
-              <a:t>p-1</a:t>
-            </a:r>
-            <a:r>
-              <a:rPr lang="en-US" altLang="ko-KR" sz="1500" dirty="0" smtClean="0"/>
-              <a:t>. </a:t>
+              <a:t>7p-1. </a:t>
             </a:r>
             <a:r>
               <a:rPr lang="ko-KR" altLang="en-US" sz="1500" dirty="0" smtClean="0"/>

--- a/소켓통신_심현정.pptx
+++ b/소켓통신_심현정.pptx
@@ -221,7 +221,7 @@
           <a:p>
             <a:fld id="{B6BDC582-AE22-4678-B95D-CBC0505709C7}" type="datetimeFigureOut">
               <a:rPr lang="ko-KR" altLang="en-US" smtClean="0"/>
-              <a:t>2022-01-12</a:t>
+              <a:t>2022-01-14</a:t>
             </a:fld>
             <a:endParaRPr lang="ko-KR" altLang="en-US"/>
           </a:p>
@@ -620,7 +620,7 @@
           <a:p>
             <a:fld id="{15B69D24-30FF-4C23-AD28-5521374235F6}" type="datetimeFigureOut">
               <a:rPr lang="ko-KR" altLang="en-US" smtClean="0"/>
-              <a:t>2022-01-12</a:t>
+              <a:t>2022-01-14</a:t>
             </a:fld>
             <a:endParaRPr lang="ko-KR" altLang="en-US"/>
           </a:p>
@@ -790,7 +790,7 @@
           <a:p>
             <a:fld id="{15B69D24-30FF-4C23-AD28-5521374235F6}" type="datetimeFigureOut">
               <a:rPr lang="ko-KR" altLang="en-US" smtClean="0"/>
-              <a:t>2022-01-12</a:t>
+              <a:t>2022-01-14</a:t>
             </a:fld>
             <a:endParaRPr lang="ko-KR" altLang="en-US"/>
           </a:p>
@@ -970,7 +970,7 @@
           <a:p>
             <a:fld id="{15B69D24-30FF-4C23-AD28-5521374235F6}" type="datetimeFigureOut">
               <a:rPr lang="ko-KR" altLang="en-US" smtClean="0"/>
-              <a:t>2022-01-12</a:t>
+              <a:t>2022-01-14</a:t>
             </a:fld>
             <a:endParaRPr lang="ko-KR" altLang="en-US"/>
           </a:p>
@@ -1140,7 +1140,7 @@
           <a:p>
             <a:fld id="{15B69D24-30FF-4C23-AD28-5521374235F6}" type="datetimeFigureOut">
               <a:rPr lang="ko-KR" altLang="en-US" smtClean="0"/>
-              <a:t>2022-01-12</a:t>
+              <a:t>2022-01-14</a:t>
             </a:fld>
             <a:endParaRPr lang="ko-KR" altLang="en-US"/>
           </a:p>
@@ -1386,7 +1386,7 @@
           <a:p>
             <a:fld id="{15B69D24-30FF-4C23-AD28-5521374235F6}" type="datetimeFigureOut">
               <a:rPr lang="ko-KR" altLang="en-US" smtClean="0"/>
-              <a:t>2022-01-12</a:t>
+              <a:t>2022-01-14</a:t>
             </a:fld>
             <a:endParaRPr lang="ko-KR" altLang="en-US"/>
           </a:p>
@@ -1618,7 +1618,7 @@
           <a:p>
             <a:fld id="{15B69D24-30FF-4C23-AD28-5521374235F6}" type="datetimeFigureOut">
               <a:rPr lang="ko-KR" altLang="en-US" smtClean="0"/>
-              <a:t>2022-01-12</a:t>
+              <a:t>2022-01-14</a:t>
             </a:fld>
             <a:endParaRPr lang="ko-KR" altLang="en-US"/>
           </a:p>
@@ -1985,7 +1985,7 @@
           <a:p>
             <a:fld id="{15B69D24-30FF-4C23-AD28-5521374235F6}" type="datetimeFigureOut">
               <a:rPr lang="ko-KR" altLang="en-US" smtClean="0"/>
-              <a:t>2022-01-12</a:t>
+              <a:t>2022-01-14</a:t>
             </a:fld>
             <a:endParaRPr lang="ko-KR" altLang="en-US"/>
           </a:p>
@@ -2103,7 +2103,7 @@
           <a:p>
             <a:fld id="{15B69D24-30FF-4C23-AD28-5521374235F6}" type="datetimeFigureOut">
               <a:rPr lang="ko-KR" altLang="en-US" smtClean="0"/>
-              <a:t>2022-01-12</a:t>
+              <a:t>2022-01-14</a:t>
             </a:fld>
             <a:endParaRPr lang="ko-KR" altLang="en-US"/>
           </a:p>
@@ -2198,7 +2198,7 @@
           <a:p>
             <a:fld id="{15B69D24-30FF-4C23-AD28-5521374235F6}" type="datetimeFigureOut">
               <a:rPr lang="ko-KR" altLang="en-US" smtClean="0"/>
-              <a:t>2022-01-12</a:t>
+              <a:t>2022-01-14</a:t>
             </a:fld>
             <a:endParaRPr lang="ko-KR" altLang="en-US"/>
           </a:p>
@@ -2475,7 +2475,7 @@
           <a:p>
             <a:fld id="{15B69D24-30FF-4C23-AD28-5521374235F6}" type="datetimeFigureOut">
               <a:rPr lang="ko-KR" altLang="en-US" smtClean="0"/>
-              <a:t>2022-01-12</a:t>
+              <a:t>2022-01-14</a:t>
             </a:fld>
             <a:endParaRPr lang="ko-KR" altLang="en-US"/>
           </a:p>
@@ -2728,7 +2728,7 @@
           <a:p>
             <a:fld id="{15B69D24-30FF-4C23-AD28-5521374235F6}" type="datetimeFigureOut">
               <a:rPr lang="ko-KR" altLang="en-US" smtClean="0"/>
-              <a:t>2022-01-12</a:t>
+              <a:t>2022-01-14</a:t>
             </a:fld>
             <a:endParaRPr lang="ko-KR" altLang="en-US"/>
           </a:p>
@@ -2941,7 +2941,7 @@
           <a:p>
             <a:fld id="{15B69D24-30FF-4C23-AD28-5521374235F6}" type="datetimeFigureOut">
               <a:rPr lang="ko-KR" altLang="en-US" smtClean="0"/>
-              <a:t>2022-01-12</a:t>
+              <a:t>2022-01-14</a:t>
             </a:fld>
             <a:endParaRPr lang="ko-KR" altLang="en-US"/>
           </a:p>
@@ -13298,6 +13298,75 @@
           </a:p>
         </p:txBody>
       </p:sp>
+      <p:sp>
+        <p:nvSpPr>
+          <p:cNvPr id="18" name="웃는 얼굴 17"/>
+          <p:cNvSpPr/>
+          <p:nvPr/>
+        </p:nvSpPr>
+        <p:spPr>
+          <a:xfrm>
+            <a:off x="176980" y="141317"/>
+            <a:ext cx="1088967" cy="1088967"/>
+          </a:xfrm>
+          <a:prstGeom prst="smileyFace">
+            <a:avLst/>
+          </a:prstGeom>
+          <a:gradFill flip="none" rotWithShape="1">
+            <a:gsLst>
+              <a:gs pos="0">
+                <a:srgbClr val="EA0AEF">
+                  <a:tint val="66000"/>
+                  <a:satMod val="160000"/>
+                </a:srgbClr>
+              </a:gs>
+              <a:gs pos="50000">
+                <a:srgbClr val="EA0AEF">
+                  <a:tint val="44500"/>
+                  <a:satMod val="160000"/>
+                </a:srgbClr>
+              </a:gs>
+              <a:gs pos="100000">
+                <a:srgbClr val="EA0AEF">
+                  <a:tint val="23500"/>
+                  <a:satMod val="160000"/>
+                </a:srgbClr>
+              </a:gs>
+            </a:gsLst>
+            <a:lin ang="13500000" scaled="1"/>
+            <a:tileRect/>
+          </a:gradFill>
+          <a:ln>
+            <a:solidFill>
+              <a:srgbClr val="EA0AEF"/>
+            </a:solidFill>
+          </a:ln>
+        </p:spPr>
+        <p:style>
+          <a:lnRef idx="2">
+            <a:schemeClr val="accent6">
+              <a:shade val="50000"/>
+            </a:schemeClr>
+          </a:lnRef>
+          <a:fillRef idx="1">
+            <a:schemeClr val="accent6"/>
+          </a:fillRef>
+          <a:effectRef idx="0">
+            <a:schemeClr val="accent6"/>
+          </a:effectRef>
+          <a:fontRef idx="minor">
+            <a:schemeClr val="lt1"/>
+          </a:fontRef>
+        </p:style>
+        <p:txBody>
+          <a:bodyPr rtlCol="0" anchor="ctr"/>
+          <a:lstStyle/>
+          <a:p>
+            <a:pPr algn="ctr"/>
+            <a:endParaRPr lang="ko-KR" altLang="en-US"/>
+          </a:p>
+        </p:txBody>
+      </p:sp>
     </p:spTree>
     <p:extLst>
       <p:ext uri="{BB962C8B-B14F-4D97-AF65-F5344CB8AC3E}">
@@ -14219,6 +14288,75 @@
           </a:p>
         </p:txBody>
       </p:sp>
+      <p:sp>
+        <p:nvSpPr>
+          <p:cNvPr id="20" name="웃는 얼굴 19"/>
+          <p:cNvSpPr/>
+          <p:nvPr/>
+        </p:nvSpPr>
+        <p:spPr>
+          <a:xfrm>
+            <a:off x="176980" y="141317"/>
+            <a:ext cx="1088967" cy="1088967"/>
+          </a:xfrm>
+          <a:prstGeom prst="smileyFace">
+            <a:avLst/>
+          </a:prstGeom>
+          <a:gradFill flip="none" rotWithShape="1">
+            <a:gsLst>
+              <a:gs pos="0">
+                <a:srgbClr val="EA0AEF">
+                  <a:tint val="66000"/>
+                  <a:satMod val="160000"/>
+                </a:srgbClr>
+              </a:gs>
+              <a:gs pos="50000">
+                <a:srgbClr val="EA0AEF">
+                  <a:tint val="44500"/>
+                  <a:satMod val="160000"/>
+                </a:srgbClr>
+              </a:gs>
+              <a:gs pos="100000">
+                <a:srgbClr val="EA0AEF">
+                  <a:tint val="23500"/>
+                  <a:satMod val="160000"/>
+                </a:srgbClr>
+              </a:gs>
+            </a:gsLst>
+            <a:lin ang="13500000" scaled="1"/>
+            <a:tileRect/>
+          </a:gradFill>
+          <a:ln>
+            <a:solidFill>
+              <a:srgbClr val="EA0AEF"/>
+            </a:solidFill>
+          </a:ln>
+        </p:spPr>
+        <p:style>
+          <a:lnRef idx="2">
+            <a:schemeClr val="accent6">
+              <a:shade val="50000"/>
+            </a:schemeClr>
+          </a:lnRef>
+          <a:fillRef idx="1">
+            <a:schemeClr val="accent6"/>
+          </a:fillRef>
+          <a:effectRef idx="0">
+            <a:schemeClr val="accent6"/>
+          </a:effectRef>
+          <a:fontRef idx="minor">
+            <a:schemeClr val="lt1"/>
+          </a:fontRef>
+        </p:style>
+        <p:txBody>
+          <a:bodyPr rtlCol="0" anchor="ctr"/>
+          <a:lstStyle/>
+          <a:p>
+            <a:pPr algn="ctr"/>
+            <a:endParaRPr lang="ko-KR" altLang="en-US"/>
+          </a:p>
+        </p:txBody>
+      </p:sp>
     </p:spTree>
     <p:extLst>
       <p:ext uri="{BB962C8B-B14F-4D97-AF65-F5344CB8AC3E}">
@@ -15306,6 +15444,75 @@
               <a:t>삭제하기</a:t>
             </a:r>
             <a:endParaRPr lang="ko-KR" altLang="en-US" dirty="0"/>
+          </a:p>
+        </p:txBody>
+      </p:sp>
+      <p:sp>
+        <p:nvSpPr>
+          <p:cNvPr id="28" name="웃는 얼굴 27"/>
+          <p:cNvSpPr/>
+          <p:nvPr/>
+        </p:nvSpPr>
+        <p:spPr>
+          <a:xfrm>
+            <a:off x="176980" y="141317"/>
+            <a:ext cx="1088967" cy="1088967"/>
+          </a:xfrm>
+          <a:prstGeom prst="smileyFace">
+            <a:avLst/>
+          </a:prstGeom>
+          <a:gradFill flip="none" rotWithShape="1">
+            <a:gsLst>
+              <a:gs pos="0">
+                <a:srgbClr val="EA0AEF">
+                  <a:tint val="66000"/>
+                  <a:satMod val="160000"/>
+                </a:srgbClr>
+              </a:gs>
+              <a:gs pos="50000">
+                <a:srgbClr val="EA0AEF">
+                  <a:tint val="44500"/>
+                  <a:satMod val="160000"/>
+                </a:srgbClr>
+              </a:gs>
+              <a:gs pos="100000">
+                <a:srgbClr val="EA0AEF">
+                  <a:tint val="23500"/>
+                  <a:satMod val="160000"/>
+                </a:srgbClr>
+              </a:gs>
+            </a:gsLst>
+            <a:lin ang="13500000" scaled="1"/>
+            <a:tileRect/>
+          </a:gradFill>
+          <a:ln>
+            <a:solidFill>
+              <a:srgbClr val="EA0AEF"/>
+            </a:solidFill>
+          </a:ln>
+        </p:spPr>
+        <p:style>
+          <a:lnRef idx="2">
+            <a:schemeClr val="accent6">
+              <a:shade val="50000"/>
+            </a:schemeClr>
+          </a:lnRef>
+          <a:fillRef idx="1">
+            <a:schemeClr val="accent6"/>
+          </a:fillRef>
+          <a:effectRef idx="0">
+            <a:schemeClr val="accent6"/>
+          </a:effectRef>
+          <a:fontRef idx="minor">
+            <a:schemeClr val="lt1"/>
+          </a:fontRef>
+        </p:style>
+        <p:txBody>
+          <a:bodyPr rtlCol="0" anchor="ctr"/>
+          <a:lstStyle/>
+          <a:p>
+            <a:pPr algn="ctr"/>
+            <a:endParaRPr lang="ko-KR" altLang="en-US"/>
           </a:p>
         </p:txBody>
       </p:sp>

--- a/소켓통신_심현정.pptx
+++ b/소켓통신_심현정.pptx
@@ -221,7 +221,7 @@
           <a:p>
             <a:fld id="{B6BDC582-AE22-4678-B95D-CBC0505709C7}" type="datetimeFigureOut">
               <a:rPr lang="ko-KR" altLang="en-US" smtClean="0"/>
-              <a:t>2022-01-14</a:t>
+              <a:t>2022-01-17</a:t>
             </a:fld>
             <a:endParaRPr lang="ko-KR" altLang="en-US"/>
           </a:p>
@@ -620,7 +620,7 @@
           <a:p>
             <a:fld id="{15B69D24-30FF-4C23-AD28-5521374235F6}" type="datetimeFigureOut">
               <a:rPr lang="ko-KR" altLang="en-US" smtClean="0"/>
-              <a:t>2022-01-14</a:t>
+              <a:t>2022-01-17</a:t>
             </a:fld>
             <a:endParaRPr lang="ko-KR" altLang="en-US"/>
           </a:p>
@@ -790,7 +790,7 @@
           <a:p>
             <a:fld id="{15B69D24-30FF-4C23-AD28-5521374235F6}" type="datetimeFigureOut">
               <a:rPr lang="ko-KR" altLang="en-US" smtClean="0"/>
-              <a:t>2022-01-14</a:t>
+              <a:t>2022-01-17</a:t>
             </a:fld>
             <a:endParaRPr lang="ko-KR" altLang="en-US"/>
           </a:p>
@@ -970,7 +970,7 @@
           <a:p>
             <a:fld id="{15B69D24-30FF-4C23-AD28-5521374235F6}" type="datetimeFigureOut">
               <a:rPr lang="ko-KR" altLang="en-US" smtClean="0"/>
-              <a:t>2022-01-14</a:t>
+              <a:t>2022-01-17</a:t>
             </a:fld>
             <a:endParaRPr lang="ko-KR" altLang="en-US"/>
           </a:p>
@@ -1140,7 +1140,7 @@
           <a:p>
             <a:fld id="{15B69D24-30FF-4C23-AD28-5521374235F6}" type="datetimeFigureOut">
               <a:rPr lang="ko-KR" altLang="en-US" smtClean="0"/>
-              <a:t>2022-01-14</a:t>
+              <a:t>2022-01-17</a:t>
             </a:fld>
             <a:endParaRPr lang="ko-KR" altLang="en-US"/>
           </a:p>
@@ -1386,7 +1386,7 @@
           <a:p>
             <a:fld id="{15B69D24-30FF-4C23-AD28-5521374235F6}" type="datetimeFigureOut">
               <a:rPr lang="ko-KR" altLang="en-US" smtClean="0"/>
-              <a:t>2022-01-14</a:t>
+              <a:t>2022-01-17</a:t>
             </a:fld>
             <a:endParaRPr lang="ko-KR" altLang="en-US"/>
           </a:p>
@@ -1618,7 +1618,7 @@
           <a:p>
             <a:fld id="{15B69D24-30FF-4C23-AD28-5521374235F6}" type="datetimeFigureOut">
               <a:rPr lang="ko-KR" altLang="en-US" smtClean="0"/>
-              <a:t>2022-01-14</a:t>
+              <a:t>2022-01-17</a:t>
             </a:fld>
             <a:endParaRPr lang="ko-KR" altLang="en-US"/>
           </a:p>
@@ -1985,7 +1985,7 @@
           <a:p>
             <a:fld id="{15B69D24-30FF-4C23-AD28-5521374235F6}" type="datetimeFigureOut">
               <a:rPr lang="ko-KR" altLang="en-US" smtClean="0"/>
-              <a:t>2022-01-14</a:t>
+              <a:t>2022-01-17</a:t>
             </a:fld>
             <a:endParaRPr lang="ko-KR" altLang="en-US"/>
           </a:p>
@@ -2103,7 +2103,7 @@
           <a:p>
             <a:fld id="{15B69D24-30FF-4C23-AD28-5521374235F6}" type="datetimeFigureOut">
               <a:rPr lang="ko-KR" altLang="en-US" smtClean="0"/>
-              <a:t>2022-01-14</a:t>
+              <a:t>2022-01-17</a:t>
             </a:fld>
             <a:endParaRPr lang="ko-KR" altLang="en-US"/>
           </a:p>
@@ -2198,7 +2198,7 @@
           <a:p>
             <a:fld id="{15B69D24-30FF-4C23-AD28-5521374235F6}" type="datetimeFigureOut">
               <a:rPr lang="ko-KR" altLang="en-US" smtClean="0"/>
-              <a:t>2022-01-14</a:t>
+              <a:t>2022-01-17</a:t>
             </a:fld>
             <a:endParaRPr lang="ko-KR" altLang="en-US"/>
           </a:p>
@@ -2475,7 +2475,7 @@
           <a:p>
             <a:fld id="{15B69D24-30FF-4C23-AD28-5521374235F6}" type="datetimeFigureOut">
               <a:rPr lang="ko-KR" altLang="en-US" smtClean="0"/>
-              <a:t>2022-01-14</a:t>
+              <a:t>2022-01-17</a:t>
             </a:fld>
             <a:endParaRPr lang="ko-KR" altLang="en-US"/>
           </a:p>
@@ -2728,7 +2728,7 @@
           <a:p>
             <a:fld id="{15B69D24-30FF-4C23-AD28-5521374235F6}" type="datetimeFigureOut">
               <a:rPr lang="ko-KR" altLang="en-US" smtClean="0"/>
-              <a:t>2022-01-14</a:t>
+              <a:t>2022-01-17</a:t>
             </a:fld>
             <a:endParaRPr lang="ko-KR" altLang="en-US"/>
           </a:p>
@@ -2941,7 +2941,7 @@
           <a:p>
             <a:fld id="{15B69D24-30FF-4C23-AD28-5521374235F6}" type="datetimeFigureOut">
               <a:rPr lang="ko-KR" altLang="en-US" smtClean="0"/>
-              <a:t>2022-01-14</a:t>
+              <a:t>2022-01-17</a:t>
             </a:fld>
             <a:endParaRPr lang="ko-KR" altLang="en-US"/>
           </a:p>
@@ -9604,75 +9604,6 @@
           </a:p>
         </p:txBody>
       </p:sp>
-      <p:sp>
-        <p:nvSpPr>
-          <p:cNvPr id="3" name="웃는 얼굴 2"/>
-          <p:cNvSpPr/>
-          <p:nvPr/>
-        </p:nvSpPr>
-        <p:spPr>
-          <a:xfrm>
-            <a:off x="176980" y="141317"/>
-            <a:ext cx="1088967" cy="1088967"/>
-          </a:xfrm>
-          <a:prstGeom prst="smileyFace">
-            <a:avLst/>
-          </a:prstGeom>
-          <a:gradFill flip="none" rotWithShape="1">
-            <a:gsLst>
-              <a:gs pos="0">
-                <a:srgbClr val="EA0AEF">
-                  <a:tint val="66000"/>
-                  <a:satMod val="160000"/>
-                </a:srgbClr>
-              </a:gs>
-              <a:gs pos="50000">
-                <a:srgbClr val="EA0AEF">
-                  <a:tint val="44500"/>
-                  <a:satMod val="160000"/>
-                </a:srgbClr>
-              </a:gs>
-              <a:gs pos="100000">
-                <a:srgbClr val="EA0AEF">
-                  <a:tint val="23500"/>
-                  <a:satMod val="160000"/>
-                </a:srgbClr>
-              </a:gs>
-            </a:gsLst>
-            <a:lin ang="13500000" scaled="1"/>
-            <a:tileRect/>
-          </a:gradFill>
-          <a:ln>
-            <a:solidFill>
-              <a:srgbClr val="EA0AEF"/>
-            </a:solidFill>
-          </a:ln>
-        </p:spPr>
-        <p:style>
-          <a:lnRef idx="2">
-            <a:schemeClr val="accent6">
-              <a:shade val="50000"/>
-            </a:schemeClr>
-          </a:lnRef>
-          <a:fillRef idx="1">
-            <a:schemeClr val="accent6"/>
-          </a:fillRef>
-          <a:effectRef idx="0">
-            <a:schemeClr val="accent6"/>
-          </a:effectRef>
-          <a:fontRef idx="minor">
-            <a:schemeClr val="lt1"/>
-          </a:fontRef>
-        </p:style>
-        <p:txBody>
-          <a:bodyPr rtlCol="0" anchor="ctr"/>
-          <a:lstStyle/>
-          <a:p>
-            <a:pPr algn="ctr"/>
-            <a:endParaRPr lang="ko-KR" altLang="en-US"/>
-          </a:p>
-        </p:txBody>
-      </p:sp>
     </p:spTree>
     <p:extLst>
       <p:ext uri="{BB962C8B-B14F-4D97-AF65-F5344CB8AC3E}">
@@ -10680,75 +10611,6 @@
           </a:p>
         </p:txBody>
       </p:sp>
-      <p:sp>
-        <p:nvSpPr>
-          <p:cNvPr id="25" name="웃는 얼굴 24"/>
-          <p:cNvSpPr/>
-          <p:nvPr/>
-        </p:nvSpPr>
-        <p:spPr>
-          <a:xfrm>
-            <a:off x="176980" y="141317"/>
-            <a:ext cx="1088967" cy="1088967"/>
-          </a:xfrm>
-          <a:prstGeom prst="smileyFace">
-            <a:avLst/>
-          </a:prstGeom>
-          <a:gradFill flip="none" rotWithShape="1">
-            <a:gsLst>
-              <a:gs pos="0">
-                <a:srgbClr val="EA0AEF">
-                  <a:tint val="66000"/>
-                  <a:satMod val="160000"/>
-                </a:srgbClr>
-              </a:gs>
-              <a:gs pos="50000">
-                <a:srgbClr val="EA0AEF">
-                  <a:tint val="44500"/>
-                  <a:satMod val="160000"/>
-                </a:srgbClr>
-              </a:gs>
-              <a:gs pos="100000">
-                <a:srgbClr val="EA0AEF">
-                  <a:tint val="23500"/>
-                  <a:satMod val="160000"/>
-                </a:srgbClr>
-              </a:gs>
-            </a:gsLst>
-            <a:lin ang="13500000" scaled="1"/>
-            <a:tileRect/>
-          </a:gradFill>
-          <a:ln>
-            <a:solidFill>
-              <a:srgbClr val="EA0AEF"/>
-            </a:solidFill>
-          </a:ln>
-        </p:spPr>
-        <p:style>
-          <a:lnRef idx="2">
-            <a:schemeClr val="accent6">
-              <a:shade val="50000"/>
-            </a:schemeClr>
-          </a:lnRef>
-          <a:fillRef idx="1">
-            <a:schemeClr val="accent6"/>
-          </a:fillRef>
-          <a:effectRef idx="0">
-            <a:schemeClr val="accent6"/>
-          </a:effectRef>
-          <a:fontRef idx="minor">
-            <a:schemeClr val="lt1"/>
-          </a:fontRef>
-        </p:style>
-        <p:txBody>
-          <a:bodyPr rtlCol="0" anchor="ctr"/>
-          <a:lstStyle/>
-          <a:p>
-            <a:pPr algn="ctr"/>
-            <a:endParaRPr lang="ko-KR" altLang="en-US"/>
-          </a:p>
-        </p:txBody>
-      </p:sp>
     </p:spTree>
     <p:extLst>
       <p:ext uri="{BB962C8B-B14F-4D97-AF65-F5344CB8AC3E}">
@@ -12541,75 +12403,6 @@
           </a:p>
         </p:txBody>
       </p:sp>
-      <p:sp>
-        <p:nvSpPr>
-          <p:cNvPr id="37" name="웃는 얼굴 36"/>
-          <p:cNvSpPr/>
-          <p:nvPr/>
-        </p:nvSpPr>
-        <p:spPr>
-          <a:xfrm>
-            <a:off x="176980" y="141317"/>
-            <a:ext cx="1088967" cy="1088967"/>
-          </a:xfrm>
-          <a:prstGeom prst="smileyFace">
-            <a:avLst/>
-          </a:prstGeom>
-          <a:gradFill flip="none" rotWithShape="1">
-            <a:gsLst>
-              <a:gs pos="0">
-                <a:srgbClr val="EA0AEF">
-                  <a:tint val="66000"/>
-                  <a:satMod val="160000"/>
-                </a:srgbClr>
-              </a:gs>
-              <a:gs pos="50000">
-                <a:srgbClr val="EA0AEF">
-                  <a:tint val="44500"/>
-                  <a:satMod val="160000"/>
-                </a:srgbClr>
-              </a:gs>
-              <a:gs pos="100000">
-                <a:srgbClr val="EA0AEF">
-                  <a:tint val="23500"/>
-                  <a:satMod val="160000"/>
-                </a:srgbClr>
-              </a:gs>
-            </a:gsLst>
-            <a:lin ang="13500000" scaled="1"/>
-            <a:tileRect/>
-          </a:gradFill>
-          <a:ln>
-            <a:solidFill>
-              <a:srgbClr val="EA0AEF"/>
-            </a:solidFill>
-          </a:ln>
-        </p:spPr>
-        <p:style>
-          <a:lnRef idx="2">
-            <a:schemeClr val="accent6">
-              <a:shade val="50000"/>
-            </a:schemeClr>
-          </a:lnRef>
-          <a:fillRef idx="1">
-            <a:schemeClr val="accent6"/>
-          </a:fillRef>
-          <a:effectRef idx="0">
-            <a:schemeClr val="accent6"/>
-          </a:effectRef>
-          <a:fontRef idx="minor">
-            <a:schemeClr val="lt1"/>
-          </a:fontRef>
-        </p:style>
-        <p:txBody>
-          <a:bodyPr rtlCol="0" anchor="ctr"/>
-          <a:lstStyle/>
-          <a:p>
-            <a:pPr algn="ctr"/>
-            <a:endParaRPr lang="ko-KR" altLang="en-US"/>
-          </a:p>
-        </p:txBody>
-      </p:sp>
     </p:spTree>
     <p:extLst>
       <p:ext uri="{BB962C8B-B14F-4D97-AF65-F5344CB8AC3E}">
@@ -13295,75 +13088,6 @@
               <a:rPr lang="en-US" altLang="ko-KR" sz="1500" dirty="0" smtClean="0"/>
               <a:t>.</a:t>
             </a:r>
-          </a:p>
-        </p:txBody>
-      </p:sp>
-      <p:sp>
-        <p:nvSpPr>
-          <p:cNvPr id="18" name="웃는 얼굴 17"/>
-          <p:cNvSpPr/>
-          <p:nvPr/>
-        </p:nvSpPr>
-        <p:spPr>
-          <a:xfrm>
-            <a:off x="176980" y="141317"/>
-            <a:ext cx="1088967" cy="1088967"/>
-          </a:xfrm>
-          <a:prstGeom prst="smileyFace">
-            <a:avLst/>
-          </a:prstGeom>
-          <a:gradFill flip="none" rotWithShape="1">
-            <a:gsLst>
-              <a:gs pos="0">
-                <a:srgbClr val="EA0AEF">
-                  <a:tint val="66000"/>
-                  <a:satMod val="160000"/>
-                </a:srgbClr>
-              </a:gs>
-              <a:gs pos="50000">
-                <a:srgbClr val="EA0AEF">
-                  <a:tint val="44500"/>
-                  <a:satMod val="160000"/>
-                </a:srgbClr>
-              </a:gs>
-              <a:gs pos="100000">
-                <a:srgbClr val="EA0AEF">
-                  <a:tint val="23500"/>
-                  <a:satMod val="160000"/>
-                </a:srgbClr>
-              </a:gs>
-            </a:gsLst>
-            <a:lin ang="13500000" scaled="1"/>
-            <a:tileRect/>
-          </a:gradFill>
-          <a:ln>
-            <a:solidFill>
-              <a:srgbClr val="EA0AEF"/>
-            </a:solidFill>
-          </a:ln>
-        </p:spPr>
-        <p:style>
-          <a:lnRef idx="2">
-            <a:schemeClr val="accent6">
-              <a:shade val="50000"/>
-            </a:schemeClr>
-          </a:lnRef>
-          <a:fillRef idx="1">
-            <a:schemeClr val="accent6"/>
-          </a:fillRef>
-          <a:effectRef idx="0">
-            <a:schemeClr val="accent6"/>
-          </a:effectRef>
-          <a:fontRef idx="minor">
-            <a:schemeClr val="lt1"/>
-          </a:fontRef>
-        </p:style>
-        <p:txBody>
-          <a:bodyPr rtlCol="0" anchor="ctr"/>
-          <a:lstStyle/>
-          <a:p>
-            <a:pPr algn="ctr"/>
-            <a:endParaRPr lang="ko-KR" altLang="en-US"/>
           </a:p>
         </p:txBody>
       </p:sp>
@@ -14288,75 +14012,6 @@
           </a:p>
         </p:txBody>
       </p:sp>
-      <p:sp>
-        <p:nvSpPr>
-          <p:cNvPr id="20" name="웃는 얼굴 19"/>
-          <p:cNvSpPr/>
-          <p:nvPr/>
-        </p:nvSpPr>
-        <p:spPr>
-          <a:xfrm>
-            <a:off x="176980" y="141317"/>
-            <a:ext cx="1088967" cy="1088967"/>
-          </a:xfrm>
-          <a:prstGeom prst="smileyFace">
-            <a:avLst/>
-          </a:prstGeom>
-          <a:gradFill flip="none" rotWithShape="1">
-            <a:gsLst>
-              <a:gs pos="0">
-                <a:srgbClr val="EA0AEF">
-                  <a:tint val="66000"/>
-                  <a:satMod val="160000"/>
-                </a:srgbClr>
-              </a:gs>
-              <a:gs pos="50000">
-                <a:srgbClr val="EA0AEF">
-                  <a:tint val="44500"/>
-                  <a:satMod val="160000"/>
-                </a:srgbClr>
-              </a:gs>
-              <a:gs pos="100000">
-                <a:srgbClr val="EA0AEF">
-                  <a:tint val="23500"/>
-                  <a:satMod val="160000"/>
-                </a:srgbClr>
-              </a:gs>
-            </a:gsLst>
-            <a:lin ang="13500000" scaled="1"/>
-            <a:tileRect/>
-          </a:gradFill>
-          <a:ln>
-            <a:solidFill>
-              <a:srgbClr val="EA0AEF"/>
-            </a:solidFill>
-          </a:ln>
-        </p:spPr>
-        <p:style>
-          <a:lnRef idx="2">
-            <a:schemeClr val="accent6">
-              <a:shade val="50000"/>
-            </a:schemeClr>
-          </a:lnRef>
-          <a:fillRef idx="1">
-            <a:schemeClr val="accent6"/>
-          </a:fillRef>
-          <a:effectRef idx="0">
-            <a:schemeClr val="accent6"/>
-          </a:effectRef>
-          <a:fontRef idx="minor">
-            <a:schemeClr val="lt1"/>
-          </a:fontRef>
-        </p:style>
-        <p:txBody>
-          <a:bodyPr rtlCol="0" anchor="ctr"/>
-          <a:lstStyle/>
-          <a:p>
-            <a:pPr algn="ctr"/>
-            <a:endParaRPr lang="ko-KR" altLang="en-US"/>
-          </a:p>
-        </p:txBody>
-      </p:sp>
     </p:spTree>
     <p:extLst>
       <p:ext uri="{BB962C8B-B14F-4D97-AF65-F5344CB8AC3E}">
@@ -15444,75 +15099,6 @@
               <a:t>삭제하기</a:t>
             </a:r>
             <a:endParaRPr lang="ko-KR" altLang="en-US" dirty="0"/>
-          </a:p>
-        </p:txBody>
-      </p:sp>
-      <p:sp>
-        <p:nvSpPr>
-          <p:cNvPr id="28" name="웃는 얼굴 27"/>
-          <p:cNvSpPr/>
-          <p:nvPr/>
-        </p:nvSpPr>
-        <p:spPr>
-          <a:xfrm>
-            <a:off x="176980" y="141317"/>
-            <a:ext cx="1088967" cy="1088967"/>
-          </a:xfrm>
-          <a:prstGeom prst="smileyFace">
-            <a:avLst/>
-          </a:prstGeom>
-          <a:gradFill flip="none" rotWithShape="1">
-            <a:gsLst>
-              <a:gs pos="0">
-                <a:srgbClr val="EA0AEF">
-                  <a:tint val="66000"/>
-                  <a:satMod val="160000"/>
-                </a:srgbClr>
-              </a:gs>
-              <a:gs pos="50000">
-                <a:srgbClr val="EA0AEF">
-                  <a:tint val="44500"/>
-                  <a:satMod val="160000"/>
-                </a:srgbClr>
-              </a:gs>
-              <a:gs pos="100000">
-                <a:srgbClr val="EA0AEF">
-                  <a:tint val="23500"/>
-                  <a:satMod val="160000"/>
-                </a:srgbClr>
-              </a:gs>
-            </a:gsLst>
-            <a:lin ang="13500000" scaled="1"/>
-            <a:tileRect/>
-          </a:gradFill>
-          <a:ln>
-            <a:solidFill>
-              <a:srgbClr val="EA0AEF"/>
-            </a:solidFill>
-          </a:ln>
-        </p:spPr>
-        <p:style>
-          <a:lnRef idx="2">
-            <a:schemeClr val="accent6">
-              <a:shade val="50000"/>
-            </a:schemeClr>
-          </a:lnRef>
-          <a:fillRef idx="1">
-            <a:schemeClr val="accent6"/>
-          </a:fillRef>
-          <a:effectRef idx="0">
-            <a:schemeClr val="accent6"/>
-          </a:effectRef>
-          <a:fontRef idx="minor">
-            <a:schemeClr val="lt1"/>
-          </a:fontRef>
-        </p:style>
-        <p:txBody>
-          <a:bodyPr rtlCol="0" anchor="ctr"/>
-          <a:lstStyle/>
-          <a:p>
-            <a:pPr algn="ctr"/>
-            <a:endParaRPr lang="ko-KR" altLang="en-US"/>
           </a:p>
         </p:txBody>
       </p:sp>
